--- a/ppt/ACC2016 Xamarin pt2.pptx
+++ b/ppt/ACC2016 Xamarin pt2.pptx
@@ -222,7 +222,7 @@
           <a:p>
             <a:fld id="{D21D5D59-70AD-4881-B086-0E64D7C257F4}" type="datetimeFigureOut">
               <a:rPr lang="en-US"/>
-              <a:t>10/14/16</a:t>
+              <a:t>10/15/16</a:t>
             </a:fld>
             <a:endParaRPr lang="en-US"/>
           </a:p>
@@ -4041,7 +4041,7 @@
           <a:p>
             <a:fld id="{96DFF08F-DC6B-4601-B491-B0F83F6DD2DA}" type="datetimeFigureOut">
               <a:rPr lang="en-US" dirty="0"/>
-              <a:t>10/14/16</a:t>
+              <a:t>10/15/16</a:t>
             </a:fld>
             <a:endParaRPr lang="en-US"/>
           </a:p>
@@ -4242,7 +4242,7 @@
           <a:p>
             <a:fld id="{96DFF08F-DC6B-4601-B491-B0F83F6DD2DA}" type="datetimeFigureOut">
               <a:rPr lang="en-US" dirty="0"/>
-              <a:t>10/14/16</a:t>
+              <a:t>10/15/16</a:t>
             </a:fld>
             <a:endParaRPr lang="en-US"/>
           </a:p>
@@ -4491,7 +4491,7 @@
           <a:p>
             <a:fld id="{96DFF08F-DC6B-4601-B491-B0F83F6DD2DA}" type="datetimeFigureOut">
               <a:rPr lang="en-US" dirty="0"/>
-              <a:t>10/14/16</a:t>
+              <a:t>10/15/16</a:t>
             </a:fld>
             <a:endParaRPr lang="en-US"/>
           </a:p>
@@ -4654,7 +4654,7 @@
           <a:p>
             <a:fld id="{D62CEF3B-A037-46D0-B02C-1428F07E9383}" type="datetimeFigureOut">
               <a:rPr lang="en-US" dirty="0"/>
-              <a:t>10/14/16</a:t>
+              <a:t>10/15/16</a:t>
             </a:fld>
             <a:endParaRPr lang="en-US"/>
           </a:p>
@@ -4991,7 +4991,7 @@
           <a:p>
             <a:fld id="{96DFF08F-DC6B-4601-B491-B0F83F6DD2DA}" type="datetimeFigureOut">
               <a:rPr lang="en-US" dirty="0"/>
-              <a:t>10/14/16</a:t>
+              <a:t>10/15/16</a:t>
             </a:fld>
             <a:endParaRPr lang="en-US"/>
           </a:p>
@@ -5258,7 +5258,7 @@
           <a:p>
             <a:fld id="{96DFF08F-DC6B-4601-B491-B0F83F6DD2DA}" type="datetimeFigureOut">
               <a:rPr lang="en-US" dirty="0"/>
-              <a:t>10/14/16</a:t>
+              <a:t>10/15/16</a:t>
             </a:fld>
             <a:endParaRPr lang="en-US"/>
           </a:p>
@@ -5629,7 +5629,7 @@
           <a:p>
             <a:fld id="{96DFF08F-DC6B-4601-B491-B0F83F6DD2DA}" type="datetimeFigureOut">
               <a:rPr lang="en-US" dirty="0"/>
-              <a:t>10/14/16</a:t>
+              <a:t>10/15/16</a:t>
             </a:fld>
             <a:endParaRPr lang="en-US"/>
           </a:p>
@@ -5741,7 +5741,7 @@
           <a:p>
             <a:fld id="{96DFF08F-DC6B-4601-B491-B0F83F6DD2DA}" type="datetimeFigureOut">
               <a:rPr lang="en-US" dirty="0"/>
-              <a:t>10/14/16</a:t>
+              <a:t>10/15/16</a:t>
             </a:fld>
             <a:endParaRPr lang="en-US"/>
           </a:p>
@@ -5908,7 +5908,7 @@
             <a:fld id="{96DFF08F-DC6B-4601-B491-B0F83F6DD2DA}" type="datetimeFigureOut">
               <a:rPr lang="en-US" dirty="0"/>
               <a:pPr/>
-              <a:t>10/14/16</a:t>
+              <a:t>10/15/16</a:t>
             </a:fld>
             <a:endParaRPr lang="en-US"/>
           </a:p>
@@ -6257,7 +6257,7 @@
             <a:fld id="{96DFF08F-DC6B-4601-B491-B0F83F6DD2DA}" type="datetimeFigureOut">
               <a:rPr lang="en-US" dirty="0"/>
               <a:pPr/>
-              <a:t>10/14/16</a:t>
+              <a:t>10/15/16</a:t>
             </a:fld>
             <a:endParaRPr lang="en-US"/>
           </a:p>
@@ -6628,7 +6628,7 @@
           <a:p>
             <a:fld id="{96DFF08F-DC6B-4601-B491-B0F83F6DD2DA}" type="datetimeFigureOut">
               <a:rPr lang="en-US" dirty="0"/>
-              <a:t>10/14/16</a:t>
+              <a:t>10/15/16</a:t>
             </a:fld>
             <a:endParaRPr lang="en-US"/>
           </a:p>
@@ -6909,7 +6909,7 @@
             <a:fld id="{96DFF08F-DC6B-4601-B491-B0F83F6DD2DA}" type="datetimeFigureOut">
               <a:rPr lang="en-US" dirty="0"/>
               <a:pPr/>
-              <a:t>10/14/16</a:t>
+              <a:t>10/15/16</a:t>
             </a:fld>
             <a:endParaRPr lang="en-US"/>
           </a:p>
@@ -7588,6 +7588,65 @@
           </a:prstGeom>
         </p:spPr>
       </p:pic>
+      <p:sp>
+        <p:nvSpPr>
+          <p:cNvPr id="6" name="TextBox 5"/>
+          <p:cNvSpPr txBox="1"/>
+          <p:nvPr/>
+        </p:nvSpPr>
+        <p:spPr>
+          <a:xfrm>
+            <a:off x="1097279" y="628444"/>
+            <a:ext cx="6475095" cy="830997"/>
+          </a:xfrm>
+          <a:prstGeom prst="rect">
+            <a:avLst/>
+          </a:prstGeom>
+          <a:solidFill>
+            <a:schemeClr val="bg1">
+              <a:lumMod val="95000"/>
+            </a:schemeClr>
+          </a:solidFill>
+          <a:ln>
+            <a:solidFill>
+              <a:schemeClr val="bg1">
+                <a:lumMod val="75000"/>
+              </a:schemeClr>
+            </a:solidFill>
+          </a:ln>
+        </p:spPr>
+        <p:txBody>
+          <a:bodyPr wrap="square" rtlCol="0">
+            <a:spAutoFit/>
+          </a:bodyPr>
+          <a:lstStyle/>
+          <a:p>
+            <a:r>
+              <a:rPr lang="en-US" sz="2400" b="1" dirty="0" smtClean="0"/>
+              <a:t>Slides and Code online here:</a:t>
+            </a:r>
+          </a:p>
+          <a:p>
+            <a:r>
+              <a:rPr lang="en-US" sz="2400" b="1" dirty="0">
+                <a:hlinkClick r:id="rId6"/>
+              </a:rPr>
+              <a:t>https://</a:t>
+            </a:r>
+            <a:r>
+              <a:rPr lang="en-US" sz="2400" b="1" dirty="0" smtClean="0">
+                <a:hlinkClick r:id="rId6"/>
+              </a:rPr>
+              <a:t>github.com/KeithJRome/MagicEightBall</a:t>
+            </a:r>
+            <a:r>
+              <a:rPr lang="en-US" sz="2400" b="1" dirty="0" smtClean="0"/>
+              <a:t> </a:t>
+            </a:r>
+            <a:endParaRPr lang="en-US" sz="2400" b="1" dirty="0"/>
+          </a:p>
+        </p:txBody>
+      </p:sp>
     </p:spTree>
     <p:extLst>
       <p:ext uri="{BB962C8B-B14F-4D97-AF65-F5344CB8AC3E}">
@@ -7598,11 +7657,11 @@
   <p:clrMapOvr>
     <a:masterClrMapping/>
   </p:clrMapOvr>
-  <mc:AlternateContent xmlns:mc="http://schemas.openxmlformats.org/markup-compatibility/2006">
-    <mc:Choice xmlns:p14="http://schemas.microsoft.com/office/powerpoint/2010/main" Requires="p14">
+  <mc:AlternateContent xmlns:mc="http://schemas.openxmlformats.org/markup-compatibility/2006" xmlns:p14="http://schemas.microsoft.com/office/powerpoint/2010/main">
+    <mc:Choice Requires="p14">
       <p:transition spd="slow" p14:dur="2000"/>
     </mc:Choice>
-    <mc:Fallback>
+    <mc:Fallback xmlns="">
       <p:transition spd="slow"/>
     </mc:Fallback>
   </mc:AlternateContent>
@@ -7991,7 +8050,6 @@
               <a:rPr lang="en-US" cap="none" dirty="0" smtClean="0"/>
               <a:t>Demo Time!</a:t>
             </a:r>
-            <a:endParaRPr lang="en-US" cap="none" dirty="0" smtClean="0"/>
           </a:p>
         </p:txBody>
       </p:sp>
@@ -8139,7 +8197,6 @@
               <a:rPr lang="en-US" cap="none" dirty="0" smtClean="0"/>
               <a:t>Worst of all: ugly app titles on the launcher icons</a:t>
             </a:r>
-            <a:endParaRPr lang="en-US" cap="none" dirty="0" smtClean="0"/>
           </a:p>
         </p:txBody>
       </p:sp>
@@ -8498,7 +8555,6 @@
               <a:rPr lang="en-US" cap="none" dirty="0" smtClean="0"/>
               <a:t>Demo Time!</a:t>
             </a:r>
-            <a:endParaRPr lang="en-US" cap="none" dirty="0" smtClean="0"/>
           </a:p>
         </p:txBody>
       </p:sp>
@@ -8698,7 +8754,6 @@
               <a:rPr lang="en-US" i="1" cap="none" dirty="0" smtClean="0"/>
               <a:t>Note that this code is almost all platform-specific since it applies only to iOS devices</a:t>
             </a:r>
-            <a:endParaRPr lang="en-US" i="1" cap="none" dirty="0" smtClean="0"/>
           </a:p>
         </p:txBody>
       </p:sp>
@@ -9739,7 +9794,6 @@
               <a:rPr lang="en-US" cap="none" dirty="0" smtClean="0"/>
               <a:t>Demo Time!</a:t>
             </a:r>
-            <a:endParaRPr lang="en-US" cap="none" dirty="0" smtClean="0"/>
           </a:p>
         </p:txBody>
       </p:sp>
@@ -10841,7 +10895,6 @@
               <a:rPr lang="en-US" cap="none" dirty="0" smtClean="0"/>
               <a:t>Demo Time!</a:t>
             </a:r>
-            <a:endParaRPr lang="en-US" cap="none" dirty="0" smtClean="0"/>
           </a:p>
         </p:txBody>
       </p:sp>
@@ -12993,7 +13046,6 @@
               <a:rPr lang="en-US" dirty="0"/>
               <a:t>Supply screenshots, description, ESRB rating info, and submit for review</a:t>
             </a:r>
-            <a:endParaRPr lang="en-US" dirty="0"/>
           </a:p>
         </p:txBody>
       </p:sp>
@@ -13548,7 +13600,6 @@
               <a:rPr lang="en-US" cap="none" dirty="0" smtClean="0"/>
               <a:t>Demo Time!</a:t>
             </a:r>
-            <a:endParaRPr lang="en-US" cap="none" dirty="0" smtClean="0"/>
           </a:p>
         </p:txBody>
       </p:sp>
@@ -16396,7 +16447,6 @@
               <a:rPr lang="en-US" cap="none" dirty="0" smtClean="0"/>
               <a:t>Because of this, we need to write defensive networking code that checks for errors and attempts to retry remote calls</a:t>
             </a:r>
-            <a:endParaRPr lang="en-US" cap="none" dirty="0" smtClean="0"/>
           </a:p>
         </p:txBody>
       </p:sp>
@@ -16750,7 +16800,6 @@
               <a:rPr lang="en-US" cap="none" dirty="0" smtClean="0"/>
               <a:t>Demo Time!</a:t>
             </a:r>
-            <a:endParaRPr lang="en-US" cap="none" dirty="0" smtClean="0"/>
           </a:p>
         </p:txBody>
       </p:sp>
